--- a/semantics.pptx
+++ b/semantics.pptx
@@ -288,7 +288,7 @@
           <a:p>
             <a:fld id="{E90ED720-0104-4369-84BC-D37694168613}" type="datetimeFigureOut">
               <a:rPr kumimoji="1" lang="ja-JP" altLang="en-US" smtClean="0"/>
-              <a:t>2017/6/8</a:t>
+              <a:t>2017/6/11</a:t>
             </a:fld>
             <a:endParaRPr kumimoji="1" lang="ja-JP" altLang="en-US"/>
           </a:p>
@@ -485,7 +485,7 @@
           <a:p>
             <a:fld id="{E90ED720-0104-4369-84BC-D37694168613}" type="datetimeFigureOut">
               <a:rPr kumimoji="1" lang="ja-JP" altLang="en-US" smtClean="0"/>
-              <a:t>2017/6/8</a:t>
+              <a:t>2017/6/11</a:t>
             </a:fld>
             <a:endParaRPr kumimoji="1" lang="ja-JP" altLang="en-US"/>
           </a:p>
@@ -692,7 +692,7 @@
           <a:p>
             <a:fld id="{E90ED720-0104-4369-84BC-D37694168613}" type="datetimeFigureOut">
               <a:rPr kumimoji="1" lang="ja-JP" altLang="en-US" smtClean="0"/>
-              <a:t>2017/6/8</a:t>
+              <a:t>2017/6/11</a:t>
             </a:fld>
             <a:endParaRPr kumimoji="1" lang="ja-JP" altLang="en-US"/>
           </a:p>
@@ -889,7 +889,7 @@
           <a:p>
             <a:fld id="{E90ED720-0104-4369-84BC-D37694168613}" type="datetimeFigureOut">
               <a:rPr kumimoji="1" lang="ja-JP" altLang="en-US" smtClean="0"/>
-              <a:t>2017/6/8</a:t>
+              <a:t>2017/6/11</a:t>
             </a:fld>
             <a:endParaRPr kumimoji="1" lang="ja-JP" altLang="en-US"/>
           </a:p>
@@ -1130,7 +1130,7 @@
           <a:p>
             <a:fld id="{E90ED720-0104-4369-84BC-D37694168613}" type="datetimeFigureOut">
               <a:rPr kumimoji="1" lang="ja-JP" altLang="en-US" smtClean="0"/>
-              <a:t>2017/6/8</a:t>
+              <a:t>2017/6/11</a:t>
             </a:fld>
             <a:endParaRPr kumimoji="1" lang="ja-JP" altLang="en-US"/>
           </a:p>
@@ -1477,7 +1477,7 @@
           <a:p>
             <a:fld id="{E90ED720-0104-4369-84BC-D37694168613}" type="datetimeFigureOut">
               <a:rPr kumimoji="1" lang="ja-JP" altLang="en-US" smtClean="0"/>
-              <a:t>2017/6/8</a:t>
+              <a:t>2017/6/11</a:t>
             </a:fld>
             <a:endParaRPr kumimoji="1" lang="ja-JP" altLang="en-US"/>
           </a:p>
@@ -1958,7 +1958,7 @@
           <a:p>
             <a:fld id="{E90ED720-0104-4369-84BC-D37694168613}" type="datetimeFigureOut">
               <a:rPr kumimoji="1" lang="ja-JP" altLang="en-US" smtClean="0"/>
-              <a:t>2017/6/8</a:t>
+              <a:t>2017/6/11</a:t>
             </a:fld>
             <a:endParaRPr kumimoji="1" lang="ja-JP" altLang="en-US"/>
           </a:p>
@@ -2071,7 +2071,7 @@
           <a:p>
             <a:fld id="{E90ED720-0104-4369-84BC-D37694168613}" type="datetimeFigureOut">
               <a:rPr kumimoji="1" lang="ja-JP" altLang="en-US" smtClean="0"/>
-              <a:t>2017/6/8</a:t>
+              <a:t>2017/6/11</a:t>
             </a:fld>
             <a:endParaRPr kumimoji="1" lang="ja-JP" altLang="en-US"/>
           </a:p>
@@ -2161,7 +2161,7 @@
           <a:p>
             <a:fld id="{E90ED720-0104-4369-84BC-D37694168613}" type="datetimeFigureOut">
               <a:rPr kumimoji="1" lang="ja-JP" altLang="en-US" smtClean="0"/>
-              <a:t>2017/6/8</a:t>
+              <a:t>2017/6/11</a:t>
             </a:fld>
             <a:endParaRPr kumimoji="1" lang="ja-JP" altLang="en-US"/>
           </a:p>
@@ -2465,7 +2465,7 @@
           <a:p>
             <a:fld id="{E90ED720-0104-4369-84BC-D37694168613}" type="datetimeFigureOut">
               <a:rPr kumimoji="1" lang="ja-JP" altLang="en-US" smtClean="0"/>
-              <a:t>2017/6/8</a:t>
+              <a:t>2017/6/11</a:t>
             </a:fld>
             <a:endParaRPr kumimoji="1" lang="ja-JP" altLang="en-US"/>
           </a:p>
@@ -2713,7 +2713,7 @@
           <a:p>
             <a:fld id="{E90ED720-0104-4369-84BC-D37694168613}" type="datetimeFigureOut">
               <a:rPr kumimoji="1" lang="ja-JP" altLang="en-US" smtClean="0"/>
-              <a:t>2017/6/8</a:t>
+              <a:t>2017/6/11</a:t>
             </a:fld>
             <a:endParaRPr kumimoji="1" lang="ja-JP" altLang="en-US"/>
           </a:p>
@@ -2953,7 +2953,7 @@
           <a:p>
             <a:fld id="{E90ED720-0104-4369-84BC-D37694168613}" type="datetimeFigureOut">
               <a:rPr kumimoji="1" lang="ja-JP" altLang="en-US" smtClean="0"/>
-              <a:t>2017/6/8</a:t>
+              <a:t>2017/6/11</a:t>
             </a:fld>
             <a:endParaRPr kumimoji="1" lang="ja-JP" altLang="en-US"/>
           </a:p>
@@ -4518,22 +4518,58 @@
           </a:p>
         </p:txBody>
       </p:sp>
-      <p:sp>
-        <p:nvSpPr>
-          <p:cNvPr id="39" name="円/楕円 38"/>
+      <p:cxnSp>
+        <p:nvCxnSpPr>
+          <p:cNvPr id="40" name="直線矢印コネクタ 39"/>
+          <p:cNvCxnSpPr/>
+          <p:nvPr/>
+        </p:nvCxnSpPr>
+        <p:spPr>
+          <a:xfrm flipH="1">
+            <a:off x="5722356" y="3619844"/>
+            <a:ext cx="250813" cy="774685"/>
+          </a:xfrm>
+          <a:prstGeom prst="straightConnector1">
+            <a:avLst/>
+          </a:prstGeom>
+          <a:ln>
+            <a:solidFill>
+              <a:srgbClr val="FF0000"/>
+            </a:solidFill>
+            <a:tailEnd type="arrow"/>
+          </a:ln>
+        </p:spPr>
+        <p:style>
+          <a:lnRef idx="1">
+            <a:schemeClr val="accent1"/>
+          </a:lnRef>
+          <a:fillRef idx="0">
+            <a:schemeClr val="accent1"/>
+          </a:fillRef>
+          <a:effectRef idx="0">
+            <a:schemeClr val="accent1"/>
+          </a:effectRef>
+          <a:fontRef idx="minor">
+            <a:schemeClr val="tx1"/>
+          </a:fontRef>
+        </p:style>
+      </p:cxnSp>
+      <p:sp>
+        <p:nvSpPr>
+          <p:cNvPr id="44" name="正方形/長方形 43"/>
           <p:cNvSpPr/>
           <p:nvPr/>
         </p:nvSpPr>
         <p:spPr>
           <a:xfrm>
-            <a:off x="5048496" y="5157192"/>
-            <a:ext cx="846094" cy="424796"/>
-          </a:xfrm>
-          <a:prstGeom prst="ellipse">
+            <a:off x="3979359" y="4261983"/>
+            <a:ext cx="1692188" cy="253069"/>
+          </a:xfrm>
+          <a:prstGeom prst="rect">
             <a:avLst/>
           </a:prstGeom>
           <a:solidFill>
-            <a:srgbClr val="FFC000"/>
+            <a:srgbClr val="00B050"/>
           </a:solidFill>
         </p:spPr>
         <p:style>
@@ -4559,7 +4595,7 @@
             <a:pPr algn="ctr"/>
             <a:r>
               <a:rPr lang="en-US" altLang="ja-JP" smtClean="0"/>
-              <a:t>info</a:t>
+              <a:t>type:param</a:t>
             </a:r>
             <a:endParaRPr kumimoji="1" lang="ja-JP" altLang="en-US"/>
           </a:p>
@@ -4567,24 +4603,21 @@
       </p:sp>
       <p:cxnSp>
         <p:nvCxnSpPr>
-          <p:cNvPr id="40" name="直線矢印コネクタ 39"/>
+          <p:cNvPr id="48" name="直線矢印コネクタ 47"/>
           <p:cNvCxnSpPr>
-            <a:endCxn id="39" idx="0"/>
+            <a:stCxn id="44" idx="2"/>
           </p:cNvCxnSpPr>
           <p:nvPr/>
         </p:nvCxnSpPr>
         <p:spPr>
-          <a:xfrm flipH="1">
-            <a:off x="5471543" y="3619844"/>
-            <a:ext cx="501626" cy="1537348"/>
+          <a:xfrm>
+            <a:off x="4825453" y="4515052"/>
+            <a:ext cx="346951" cy="704350"/>
           </a:xfrm>
           <a:prstGeom prst="straightConnector1">
             <a:avLst/>
           </a:prstGeom>
           <a:ln>
-            <a:solidFill>
-              <a:srgbClr val="FF0000"/>
-            </a:solidFill>
             <a:tailEnd type="arrow"/>
           </a:ln>
         </p:spPr>
@@ -4605,89 +4638,6 @@
       </p:cxnSp>
       <p:sp>
         <p:nvSpPr>
-          <p:cNvPr id="44" name="正方形/長方形 43"/>
-          <p:cNvSpPr/>
-          <p:nvPr/>
-        </p:nvSpPr>
-        <p:spPr>
-          <a:xfrm>
-            <a:off x="3979359" y="4261983"/>
-            <a:ext cx="1692188" cy="253069"/>
-          </a:xfrm>
-          <a:prstGeom prst="rect">
-            <a:avLst/>
-          </a:prstGeom>
-          <a:solidFill>
-            <a:srgbClr val="00B050"/>
-          </a:solidFill>
-        </p:spPr>
-        <p:style>
-          <a:lnRef idx="2">
-            <a:schemeClr val="accent1">
-              <a:shade val="50000"/>
-            </a:schemeClr>
-          </a:lnRef>
-          <a:fillRef idx="1">
-            <a:schemeClr val="accent1"/>
-          </a:fillRef>
-          <a:effectRef idx="0">
-            <a:schemeClr val="accent1"/>
-          </a:effectRef>
-          <a:fontRef idx="minor">
-            <a:schemeClr val="lt1"/>
-          </a:fontRef>
-        </p:style>
-        <p:txBody>
-          <a:bodyPr rtlCol="0" anchor="ctr"/>
-          <a:lstStyle/>
-          <a:p>
-            <a:pPr algn="ctr"/>
-            <a:r>
-              <a:rPr lang="en-US" altLang="ja-JP" smtClean="0"/>
-              <a:t>type:param</a:t>
-            </a:r>
-            <a:endParaRPr kumimoji="1" lang="ja-JP" altLang="en-US"/>
-          </a:p>
-        </p:txBody>
-      </p:sp>
-      <p:cxnSp>
-        <p:nvCxnSpPr>
-          <p:cNvPr id="48" name="直線矢印コネクタ 47"/>
-          <p:cNvCxnSpPr>
-            <a:stCxn id="44" idx="2"/>
-            <a:endCxn id="39" idx="1"/>
-          </p:cNvCxnSpPr>
-          <p:nvPr/>
-        </p:nvCxnSpPr>
-        <p:spPr>
-          <a:xfrm>
-            <a:off x="4825453" y="4515052"/>
-            <a:ext cx="346951" cy="704350"/>
-          </a:xfrm>
-          <a:prstGeom prst="straightConnector1">
-            <a:avLst/>
-          </a:prstGeom>
-          <a:ln>
-            <a:tailEnd type="arrow"/>
-          </a:ln>
-        </p:spPr>
-        <p:style>
-          <a:lnRef idx="1">
-            <a:schemeClr val="accent1"/>
-          </a:lnRef>
-          <a:fillRef idx="0">
-            <a:schemeClr val="accent1"/>
-          </a:fillRef>
-          <a:effectRef idx="0">
-            <a:schemeClr val="accent1"/>
-          </a:effectRef>
-          <a:fontRef idx="minor">
-            <a:schemeClr val="tx1"/>
-          </a:fontRef>
-        </p:style>
-      </p:cxnSp>
-      <p:sp>
-        <p:nvSpPr>
           <p:cNvPr id="51" name="テキスト ボックス 50"/>
           <p:cNvSpPr txBox="1"/>
           <p:nvPr/>
@@ -4695,7 +4645,7 @@
         <p:spPr>
           <a:xfrm>
             <a:off x="4576066" y="4682561"/>
-            <a:ext cx="1192676" cy="369332"/>
+            <a:ext cx="472430" cy="369332"/>
           </a:xfrm>
           <a:prstGeom prst="rect">
             <a:avLst/>
@@ -5765,6 +5715,156 @@
             <a:r>
               <a:rPr kumimoji="1" lang="en-US" altLang="ja-JP" smtClean="0"/>
               <a:t>name:locals_5_ ??</a:t>
+            </a:r>
+            <a:endParaRPr kumimoji="1" lang="ja-JP" altLang="en-US"/>
+          </a:p>
+        </p:txBody>
+      </p:sp>
+      <p:sp>
+        <p:nvSpPr>
+          <p:cNvPr id="60" name="円/楕円 59"/>
+          <p:cNvSpPr/>
+          <p:nvPr/>
+        </p:nvSpPr>
+        <p:spPr>
+          <a:xfrm>
+            <a:off x="5453672" y="4363899"/>
+            <a:ext cx="648072" cy="424796"/>
+          </a:xfrm>
+          <a:prstGeom prst="ellipse">
+            <a:avLst/>
+          </a:prstGeom>
+        </p:spPr>
+        <p:style>
+          <a:lnRef idx="2">
+            <a:schemeClr val="accent1">
+              <a:shade val="50000"/>
+            </a:schemeClr>
+          </a:lnRef>
+          <a:fillRef idx="1">
+            <a:schemeClr val="accent1"/>
+          </a:fillRef>
+          <a:effectRef idx="0">
+            <a:schemeClr val="accent1"/>
+          </a:effectRef>
+          <a:fontRef idx="minor">
+            <a:schemeClr val="lt1"/>
+          </a:fontRef>
+        </p:style>
+        <p:txBody>
+          <a:bodyPr rtlCol="0" anchor="ctr"/>
+          <a:lstStyle/>
+          <a:p>
+            <a:pPr algn="ctr"/>
+            <a:endParaRPr kumimoji="1" lang="ja-JP" altLang="en-US"/>
+          </a:p>
+        </p:txBody>
+      </p:sp>
+      <p:cxnSp>
+        <p:nvCxnSpPr>
+          <p:cNvPr id="61" name="直線矢印コネクタ 60"/>
+          <p:cNvCxnSpPr/>
+          <p:nvPr/>
+        </p:nvCxnSpPr>
+        <p:spPr>
+          <a:xfrm flipH="1">
+            <a:off x="5471543" y="4845259"/>
+            <a:ext cx="250813" cy="311933"/>
+          </a:xfrm>
+          <a:prstGeom prst="straightConnector1">
+            <a:avLst/>
+          </a:prstGeom>
+          <a:ln>
+            <a:tailEnd type="arrow"/>
+          </a:ln>
+        </p:spPr>
+        <p:style>
+          <a:lnRef idx="1">
+            <a:schemeClr val="accent1"/>
+          </a:lnRef>
+          <a:fillRef idx="0">
+            <a:schemeClr val="accent1"/>
+          </a:fillRef>
+          <a:effectRef idx="0">
+            <a:schemeClr val="accent1"/>
+          </a:effectRef>
+          <a:fontRef idx="minor">
+            <a:schemeClr val="tx1"/>
+          </a:fontRef>
+        </p:style>
+      </p:cxnSp>
+      <p:sp>
+        <p:nvSpPr>
+          <p:cNvPr id="66" name="テキスト ボックス 65"/>
+          <p:cNvSpPr txBox="1"/>
+          <p:nvPr/>
+        </p:nvSpPr>
+        <p:spPr>
+          <a:xfrm>
+            <a:off x="5722356" y="4816559"/>
+            <a:ext cx="648072" cy="369332"/>
+          </a:xfrm>
+          <a:prstGeom prst="rect">
+            <a:avLst/>
+          </a:prstGeom>
+          <a:noFill/>
+        </p:spPr>
+        <p:txBody>
+          <a:bodyPr wrap="square" rtlCol="0">
+            <a:spAutoFit/>
+          </a:bodyPr>
+          <a:lstStyle/>
+          <a:p>
+            <a:r>
+              <a:rPr lang="en-US" altLang="ja-JP" smtClean="0"/>
+              <a:t>info</a:t>
+            </a:r>
+            <a:endParaRPr kumimoji="1" lang="ja-JP" altLang="en-US"/>
+          </a:p>
+        </p:txBody>
+      </p:sp>
+      <p:sp>
+        <p:nvSpPr>
+          <p:cNvPr id="68" name="正方形/長方形 67"/>
+          <p:cNvSpPr/>
+          <p:nvPr/>
+        </p:nvSpPr>
+        <p:spPr>
+          <a:xfrm>
+            <a:off x="4785842" y="5192001"/>
+            <a:ext cx="1008112" cy="288032"/>
+          </a:xfrm>
+          <a:prstGeom prst="rect">
+            <a:avLst/>
+          </a:prstGeom>
+          <a:solidFill>
+            <a:srgbClr val="FFC000"/>
+          </a:solidFill>
+        </p:spPr>
+        <p:style>
+          <a:lnRef idx="2">
+            <a:schemeClr val="accent1">
+              <a:shade val="50000"/>
+            </a:schemeClr>
+          </a:lnRef>
+          <a:fillRef idx="1">
+            <a:schemeClr val="accent1"/>
+          </a:fillRef>
+          <a:effectRef idx="0">
+            <a:schemeClr val="accent1"/>
+          </a:effectRef>
+          <a:fontRef idx="minor">
+            <a:schemeClr val="lt1"/>
+          </a:fontRef>
+        </p:style>
+        <p:txBody>
+          <a:bodyPr rtlCol="0" anchor="ctr"/>
+          <a:lstStyle/>
+          <a:p>
+            <a:pPr algn="ctr"/>
+            <a:r>
+              <a:rPr kumimoji="1" lang="en-US" altLang="ja-JP" smtClean="0"/>
+              <a:t>info</a:t>
             </a:r>
             <a:endParaRPr kumimoji="1" lang="ja-JP" altLang="en-US"/>
           </a:p>
